--- a/Documentação/UserStories/UserStoriesSuporte.pptx
+++ b/Documentação/UserStories/UserStoriesSuporte.pptx
@@ -445,7 +445,7 @@
             <a:fld id="{B61BEF0D-F0BB-DE4B-95CE-6DB70DBA9567}" type="datetimeFigureOut">
               <a:rPr lang="en-US" dirty="0"/>
               <a:pPr/>
-              <a:t>4/11/2020</a:t>
+              <a:t>5/1/2020</a:t>
             </a:fld>
             <a:endParaRPr lang="en-US" dirty="0"/>
           </a:p>
@@ -498,7 +498,7 @@
             <a:fld id="{D57F1E4F-1CFF-5643-939E-217C01CDF565}" type="slidenum">
               <a:rPr lang="en-US" dirty="0"/>
               <a:pPr/>
-              <a:t>‹nº›</a:t>
+              <a:t>‹#›</a:t>
             </a:fld>
             <a:endParaRPr lang="en-US" dirty="0"/>
           </a:p>
@@ -766,7 +766,7 @@
             <a:fld id="{B61BEF0D-F0BB-DE4B-95CE-6DB70DBA9567}" type="datetimeFigureOut">
               <a:rPr lang="en-US" dirty="0"/>
               <a:pPr/>
-              <a:t>4/11/2020</a:t>
+              <a:t>5/1/2020</a:t>
             </a:fld>
             <a:endParaRPr lang="en-US" dirty="0"/>
           </a:p>
@@ -809,7 +809,7 @@
             <a:fld id="{D57F1E4F-1CFF-5643-939E-217C01CDF565}" type="slidenum">
               <a:rPr lang="en-US" dirty="0"/>
               <a:pPr/>
-              <a:t>‹nº›</a:t>
+              <a:t>‹#›</a:t>
             </a:fld>
             <a:endParaRPr lang="en-US" dirty="0"/>
           </a:p>
@@ -1011,7 +1011,7 @@
             <a:fld id="{B61BEF0D-F0BB-DE4B-95CE-6DB70DBA9567}" type="datetimeFigureOut">
               <a:rPr lang="en-US" dirty="0"/>
               <a:pPr/>
-              <a:t>4/11/2020</a:t>
+              <a:t>5/1/2020</a:t>
             </a:fld>
             <a:endParaRPr lang="en-US" dirty="0"/>
           </a:p>
@@ -1054,7 +1054,7 @@
             <a:fld id="{D57F1E4F-1CFF-5643-939E-217C01CDF565}" type="slidenum">
               <a:rPr lang="en-US" dirty="0"/>
               <a:pPr/>
-              <a:t>‹nº›</a:t>
+              <a:t>‹#›</a:t>
             </a:fld>
             <a:endParaRPr lang="en-US" dirty="0"/>
           </a:p>
@@ -1347,7 +1347,7 @@
             <a:fld id="{B61BEF0D-F0BB-DE4B-95CE-6DB70DBA9567}" type="datetimeFigureOut">
               <a:rPr lang="en-US" dirty="0"/>
               <a:pPr/>
-              <a:t>4/11/2020</a:t>
+              <a:t>5/1/2020</a:t>
             </a:fld>
             <a:endParaRPr lang="en-US" dirty="0"/>
           </a:p>
@@ -1390,7 +1390,7 @@
             <a:fld id="{D57F1E4F-1CFF-5643-939E-217C01CDF565}" type="slidenum">
               <a:rPr lang="en-US" dirty="0"/>
               <a:pPr/>
-              <a:t>‹nº›</a:t>
+              <a:t>‹#›</a:t>
             </a:fld>
             <a:endParaRPr lang="en-US" dirty="0"/>
           </a:p>
@@ -1691,7 +1691,7 @@
             <a:fld id="{B61BEF0D-F0BB-DE4B-95CE-6DB70DBA9567}" type="datetimeFigureOut">
               <a:rPr lang="en-US" dirty="0"/>
               <a:pPr/>
-              <a:t>4/11/2020</a:t>
+              <a:t>5/1/2020</a:t>
             </a:fld>
             <a:endParaRPr lang="en-US" dirty="0"/>
           </a:p>
@@ -1734,7 +1734,7 @@
             <a:fld id="{D57F1E4F-1CFF-5643-939E-217C01CDF565}" type="slidenum">
               <a:rPr lang="en-US" dirty="0"/>
               <a:pPr/>
-              <a:t>‹nº›</a:t>
+              <a:t>‹#›</a:t>
             </a:fld>
             <a:endParaRPr lang="en-US" dirty="0"/>
           </a:p>
@@ -2062,7 +2062,7 @@
             <a:fld id="{B61BEF0D-F0BB-DE4B-95CE-6DB70DBA9567}" type="datetimeFigureOut">
               <a:rPr lang="en-US" dirty="0"/>
               <a:pPr/>
-              <a:t>4/11/2020</a:t>
+              <a:t>5/1/2020</a:t>
             </a:fld>
             <a:endParaRPr lang="en-US" dirty="0"/>
           </a:p>
@@ -2105,7 +2105,7 @@
             <a:fld id="{D57F1E4F-1CFF-5643-939E-217C01CDF565}" type="slidenum">
               <a:rPr lang="en-US" dirty="0"/>
               <a:pPr/>
-              <a:t>‹nº›</a:t>
+              <a:t>‹#›</a:t>
             </a:fld>
             <a:endParaRPr lang="en-US" dirty="0"/>
           </a:p>
@@ -2529,7 +2529,7 @@
             <a:fld id="{B61BEF0D-F0BB-DE4B-95CE-6DB70DBA9567}" type="datetimeFigureOut">
               <a:rPr lang="en-US" dirty="0"/>
               <a:pPr/>
-              <a:t>4/11/2020</a:t>
+              <a:t>5/1/2020</a:t>
             </a:fld>
             <a:endParaRPr lang="en-US" dirty="0"/>
           </a:p>
@@ -2572,7 +2572,7 @@
             <a:fld id="{D57F1E4F-1CFF-5643-939E-217C01CDF565}" type="slidenum">
               <a:rPr lang="en-US" dirty="0"/>
               <a:pPr/>
-              <a:t>‹nº›</a:t>
+              <a:t>‹#›</a:t>
             </a:fld>
             <a:endParaRPr lang="en-US" dirty="0"/>
           </a:p>
@@ -2731,7 +2731,7 @@
             <a:fld id="{B61BEF0D-F0BB-DE4B-95CE-6DB70DBA9567}" type="datetimeFigureOut">
               <a:rPr lang="en-US" dirty="0"/>
               <a:pPr/>
-              <a:t>4/11/2020</a:t>
+              <a:t>5/1/2020</a:t>
             </a:fld>
             <a:endParaRPr lang="en-US" dirty="0"/>
           </a:p>
@@ -2774,7 +2774,7 @@
             <a:fld id="{D57F1E4F-1CFF-5643-939E-217C01CDF565}" type="slidenum">
               <a:rPr lang="en-US" dirty="0"/>
               <a:pPr/>
-              <a:t>‹nº›</a:t>
+              <a:t>‹#›</a:t>
             </a:fld>
             <a:endParaRPr lang="en-US" dirty="0"/>
           </a:p>
@@ -2939,7 +2939,7 @@
             <a:fld id="{B61BEF0D-F0BB-DE4B-95CE-6DB70DBA9567}" type="datetimeFigureOut">
               <a:rPr lang="en-US" dirty="0"/>
               <a:pPr/>
-              <a:t>4/11/2020</a:t>
+              <a:t>5/1/2020</a:t>
             </a:fld>
             <a:endParaRPr lang="en-US" dirty="0"/>
           </a:p>
@@ -2982,7 +2982,7 @@
             <a:fld id="{D57F1E4F-1CFF-5643-939E-217C01CDF565}" type="slidenum">
               <a:rPr lang="en-US" dirty="0"/>
               <a:pPr/>
-              <a:t>‹nº›</a:t>
+              <a:t>‹#›</a:t>
             </a:fld>
             <a:endParaRPr lang="en-US" dirty="0"/>
           </a:p>
@@ -3167,7 +3167,7 @@
           <a:p>
             <a:fld id="{05BFA754-D5C3-4E66-96A6-867B257F58DC}" type="datetimeFigureOut">
               <a:rPr lang="en-US" dirty="0"/>
-              <a:t>4/11/2020</a:t>
+              <a:t>5/1/2020</a:t>
             </a:fld>
             <a:endParaRPr lang="en-US" dirty="0"/>
           </a:p>
@@ -3209,7 +3209,7 @@
           <a:p>
             <a:fld id="{5D84065D-F351-4B03-BD91-D8A6B8D4B362}" type="slidenum">
               <a:rPr lang="en-US" dirty="0"/>
-              <a:t>‹nº›</a:t>
+              <a:t>‹#›</a:t>
             </a:fld>
             <a:endParaRPr lang="en-US" dirty="0"/>
           </a:p>
@@ -3411,7 +3411,7 @@
             <a:fld id="{B61BEF0D-F0BB-DE4B-95CE-6DB70DBA9567}" type="datetimeFigureOut">
               <a:rPr lang="en-US" dirty="0"/>
               <a:pPr/>
-              <a:t>4/11/2020</a:t>
+              <a:t>5/1/2020</a:t>
             </a:fld>
             <a:endParaRPr lang="en-US" dirty="0"/>
           </a:p>
@@ -3454,7 +3454,7 @@
             <a:fld id="{D57F1E4F-1CFF-5643-939E-217C01CDF565}" type="slidenum">
               <a:rPr lang="en-US" dirty="0"/>
               <a:pPr/>
-              <a:t>‹nº›</a:t>
+              <a:t>‹#›</a:t>
             </a:fld>
             <a:endParaRPr lang="en-US" dirty="0"/>
           </a:p>
@@ -3674,7 +3674,7 @@
           <a:p>
             <a:fld id="{05BFA754-D5C3-4E66-96A6-867B257F58DC}" type="datetimeFigureOut">
               <a:rPr lang="en-US" dirty="0"/>
-              <a:t>4/11/2020</a:t>
+              <a:t>5/1/2020</a:t>
             </a:fld>
             <a:endParaRPr lang="en-US" dirty="0"/>
           </a:p>
@@ -3716,7 +3716,7 @@
           <a:p>
             <a:fld id="{5D84065D-F351-4B03-BD91-D8A6B8D4B362}" type="slidenum">
               <a:rPr lang="en-US" dirty="0"/>
-              <a:t>‹nº›</a:t>
+              <a:t>‹#›</a:t>
             </a:fld>
             <a:endParaRPr lang="en-US" dirty="0"/>
           </a:p>
@@ -4083,7 +4083,7 @@
             <a:fld id="{B61BEF0D-F0BB-DE4B-95CE-6DB70DBA9567}" type="datetimeFigureOut">
               <a:rPr lang="en-US" dirty="0"/>
               <a:pPr/>
-              <a:t>4/11/2020</a:t>
+              <a:t>5/1/2020</a:t>
             </a:fld>
             <a:endParaRPr lang="en-US" dirty="0"/>
           </a:p>
@@ -4126,7 +4126,7 @@
             <a:fld id="{D57F1E4F-1CFF-5643-939E-217C01CDF565}" type="slidenum">
               <a:rPr lang="en-US" dirty="0"/>
               <a:pPr/>
-              <a:t>‹nº›</a:t>
+              <a:t>‹#›</a:t>
             </a:fld>
             <a:endParaRPr lang="en-US" dirty="0"/>
           </a:p>
@@ -4229,7 +4229,7 @@
             <a:fld id="{B61BEF0D-F0BB-DE4B-95CE-6DB70DBA9567}" type="datetimeFigureOut">
               <a:rPr lang="en-US" dirty="0"/>
               <a:pPr/>
-              <a:t>4/11/2020</a:t>
+              <a:t>5/1/2020</a:t>
             </a:fld>
             <a:endParaRPr lang="en-US" dirty="0"/>
           </a:p>
@@ -4272,7 +4272,7 @@
             <a:fld id="{D57F1E4F-1CFF-5643-939E-217C01CDF565}" type="slidenum">
               <a:rPr lang="en-US" dirty="0"/>
               <a:pPr/>
-              <a:t>‹nº›</a:t>
+              <a:t>‹#›</a:t>
             </a:fld>
             <a:endParaRPr lang="en-US" dirty="0"/>
           </a:p>
@@ -4352,7 +4352,7 @@
             <a:fld id="{B61BEF0D-F0BB-DE4B-95CE-6DB70DBA9567}" type="datetimeFigureOut">
               <a:rPr lang="en-US" dirty="0"/>
               <a:pPr/>
-              <a:t>4/11/2020</a:t>
+              <a:t>5/1/2020</a:t>
             </a:fld>
             <a:endParaRPr lang="en-US" dirty="0"/>
           </a:p>
@@ -4395,7 +4395,7 @@
             <a:fld id="{D57F1E4F-1CFF-5643-939E-217C01CDF565}" type="slidenum">
               <a:rPr lang="en-US" dirty="0"/>
               <a:pPr/>
-              <a:t>‹nº›</a:t>
+              <a:t>‹#›</a:t>
             </a:fld>
             <a:endParaRPr lang="en-US" dirty="0"/>
           </a:p>
@@ -4604,7 +4604,7 @@
             <a:fld id="{B61BEF0D-F0BB-DE4B-95CE-6DB70DBA9567}" type="datetimeFigureOut">
               <a:rPr lang="en-US" dirty="0"/>
               <a:pPr/>
-              <a:t>4/11/2020</a:t>
+              <a:t>5/1/2020</a:t>
             </a:fld>
             <a:endParaRPr lang="en-US" dirty="0"/>
           </a:p>
@@ -4647,7 +4647,7 @@
             <a:fld id="{D57F1E4F-1CFF-5643-939E-217C01CDF565}" type="slidenum">
               <a:rPr lang="en-US" dirty="0"/>
               <a:pPr/>
-              <a:t>‹nº›</a:t>
+              <a:t>‹#›</a:t>
             </a:fld>
             <a:endParaRPr lang="en-US" dirty="0"/>
           </a:p>
@@ -4916,7 +4916,7 @@
             <a:fld id="{B61BEF0D-F0BB-DE4B-95CE-6DB70DBA9567}" type="datetimeFigureOut">
               <a:rPr lang="en-US" dirty="0"/>
               <a:pPr/>
-              <a:t>4/11/2020</a:t>
+              <a:t>5/1/2020</a:t>
             </a:fld>
             <a:endParaRPr lang="en-US" dirty="0"/>
           </a:p>
@@ -4959,7 +4959,7 @@
             <a:fld id="{D57F1E4F-1CFF-5643-939E-217C01CDF565}" type="slidenum">
               <a:rPr lang="en-US" dirty="0"/>
               <a:pPr/>
-              <a:t>‹nº›</a:t>
+              <a:t>‹#›</a:t>
             </a:fld>
             <a:endParaRPr lang="en-US" dirty="0"/>
           </a:p>
@@ -5264,7 +5264,7 @@
             <a:fld id="{B61BEF0D-F0BB-DE4B-95CE-6DB70DBA9567}" type="datetimeFigureOut">
               <a:rPr lang="en-US" dirty="0"/>
               <a:pPr/>
-              <a:t>4/11/2020</a:t>
+              <a:t>5/1/2020</a:t>
             </a:fld>
             <a:endParaRPr lang="en-US" dirty="0"/>
           </a:p>
@@ -5343,7 +5343,7 @@
             <a:fld id="{D57F1E4F-1CFF-5643-939E-217C01CDF565}" type="slidenum">
               <a:rPr lang="en-US" dirty="0"/>
               <a:pPr/>
-              <a:t>‹nº›</a:t>
+              <a:t>‹#›</a:t>
             </a:fld>
             <a:endParaRPr lang="en-US" dirty="0"/>
           </a:p>
@@ -5848,35 +5848,7 @@
                 <a:latin typeface="Arial" panose="020B0604020202020204" pitchFamily="34" charset="0"/>
                 <a:cs typeface="Arial" panose="020B0604020202020204" pitchFamily="34" charset="0"/>
               </a:rPr>
-              <a:t>Eu, como</a:t>
-            </a:r>
-            <a:r>
-              <a:rPr lang="pt-BR" sz="2800" b="1" dirty="0">
-                <a:latin typeface="Arial" panose="020B0604020202020204" pitchFamily="34" charset="0"/>
-                <a:cs typeface="Arial" panose="020B0604020202020204" pitchFamily="34" charset="0"/>
-              </a:rPr>
-              <a:t> Suporte,</a:t>
-            </a:r>
-            <a:r>
-              <a:rPr lang="pt-BR" sz="2800" dirty="0">
-                <a:latin typeface="Arial" panose="020B0604020202020204" pitchFamily="34" charset="0"/>
-                <a:cs typeface="Arial" panose="020B0604020202020204" pitchFamily="34" charset="0"/>
-              </a:rPr>
-              <a:t> preciso de ajuda com as funcionalidades do sistema </a:t>
-            </a:r>
-            <a:r>
-              <a:rPr lang="pt-BR" sz="2800" b="1" dirty="0">
-                <a:latin typeface="Arial" panose="020B0604020202020204" pitchFamily="34" charset="0"/>
-                <a:cs typeface="Arial" panose="020B0604020202020204" pitchFamily="34" charset="0"/>
-              </a:rPr>
-              <a:t>para </a:t>
-            </a:r>
-            <a:r>
-              <a:rPr lang="pt-BR" sz="2800" dirty="0">
-                <a:latin typeface="Arial" panose="020B0604020202020204" pitchFamily="34" charset="0"/>
-                <a:cs typeface="Arial" panose="020B0604020202020204" pitchFamily="34" charset="0"/>
-              </a:rPr>
-              <a:t>ter um controle melhor sobre as atividades.</a:t>
+              <a:t>Eu, como Suporte, preciso de ajuda com as funcionalidades do sistema para ter um controle melhor sobre as atividades.</a:t>
             </a:r>
           </a:p>
         </p:txBody>
@@ -5922,40 +5894,16 @@
           <a:p>
             <a:pPr algn="ctr"/>
             <a:r>
-              <a:rPr lang="pt-BR" sz="2800" dirty="0">
+              <a:rPr lang="pt-BR" sz="2800">
                 <a:latin typeface="Arial" panose="020B0604020202020204" pitchFamily="34" charset="0"/>
                 <a:cs typeface="Arial" panose="020B0604020202020204" pitchFamily="34" charset="0"/>
               </a:rPr>
-              <a:t>Eu, como </a:t>
-            </a:r>
-            <a:r>
-              <a:rPr lang="pt-BR" sz="2800" b="1" dirty="0">
-                <a:latin typeface="Arial" panose="020B0604020202020204" pitchFamily="34" charset="0"/>
-                <a:cs typeface="Arial" panose="020B0604020202020204" pitchFamily="34" charset="0"/>
-              </a:rPr>
-              <a:t>Suporte, </a:t>
-            </a:r>
-            <a:r>
-              <a:rPr lang="pt-BR" sz="2800" dirty="0">
-                <a:latin typeface="Arial" panose="020B0604020202020204" pitchFamily="34" charset="0"/>
-                <a:cs typeface="Arial" panose="020B0604020202020204" pitchFamily="34" charset="0"/>
-              </a:rPr>
-              <a:t>preciso de um sistema de controle da internet </a:t>
-            </a:r>
-            <a:r>
-              <a:rPr lang="pt-BR" sz="2800" b="1" dirty="0">
-                <a:latin typeface="Arial" panose="020B0604020202020204" pitchFamily="34" charset="0"/>
-                <a:cs typeface="Arial" panose="020B0604020202020204" pitchFamily="34" charset="0"/>
-              </a:rPr>
-              <a:t>para</a:t>
-            </a:r>
-            <a:r>
-              <a:rPr lang="pt-BR" sz="2800" dirty="0">
-                <a:latin typeface="Arial" panose="020B0604020202020204" pitchFamily="34" charset="0"/>
-                <a:cs typeface="Arial" panose="020B0604020202020204" pitchFamily="34" charset="0"/>
-              </a:rPr>
-              <a:t> ter mais agilidade nas atividades.</a:t>
-            </a:r>
+              <a:t>Eu, como Suporte, preciso de um sistema de controle da internet para ter mais agilidade nas atividades.</a:t>
+            </a:r>
+            <a:endParaRPr lang="pt-BR" sz="2800" dirty="0">
+              <a:latin typeface="Arial" panose="020B0604020202020204" pitchFamily="34" charset="0"/>
+              <a:cs typeface="Arial" panose="020B0604020202020204" pitchFamily="34" charset="0"/>
+            </a:endParaRPr>
           </a:p>
         </p:txBody>
       </p:sp>
@@ -6000,40 +5948,16 @@
           <a:p>
             <a:pPr algn="ctr"/>
             <a:r>
-              <a:rPr lang="pt-BR" sz="2800" dirty="0">
+              <a:rPr lang="pt-BR" sz="2800">
                 <a:latin typeface="Arial" panose="020B0604020202020204" pitchFamily="34" charset="0"/>
                 <a:cs typeface="Arial" panose="020B0604020202020204" pitchFamily="34" charset="0"/>
               </a:rPr>
-              <a:t>Eu, como </a:t>
-            </a:r>
-            <a:r>
-              <a:rPr lang="pt-BR" sz="2800" b="1" dirty="0">
-                <a:latin typeface="Arial" panose="020B0604020202020204" pitchFamily="34" charset="0"/>
-                <a:cs typeface="Arial" panose="020B0604020202020204" pitchFamily="34" charset="0"/>
-              </a:rPr>
-              <a:t>Suporte, </a:t>
-            </a:r>
-            <a:r>
-              <a:rPr lang="pt-BR" sz="2800" dirty="0">
-                <a:latin typeface="Arial" panose="020B0604020202020204" pitchFamily="34" charset="0"/>
-                <a:cs typeface="Arial" panose="020B0604020202020204" pitchFamily="34" charset="0"/>
-              </a:rPr>
-              <a:t>preciso de uma internet estável </a:t>
-            </a:r>
-            <a:r>
-              <a:rPr lang="pt-BR" sz="2800" b="1" dirty="0">
-                <a:latin typeface="Arial" panose="020B0604020202020204" pitchFamily="34" charset="0"/>
-                <a:cs typeface="Arial" panose="020B0604020202020204" pitchFamily="34" charset="0"/>
-              </a:rPr>
-              <a:t>para</a:t>
-            </a:r>
-            <a:r>
-              <a:rPr lang="pt-BR" sz="2800" dirty="0">
-                <a:latin typeface="Arial" panose="020B0604020202020204" pitchFamily="34" charset="0"/>
-                <a:cs typeface="Arial" panose="020B0604020202020204" pitchFamily="34" charset="0"/>
-              </a:rPr>
-              <a:t> não  sobrecarregar a rede.</a:t>
-            </a:r>
+              <a:t>Eu, como Suporte, preciso de uma internet estável para não  sobrecarregar a rede.</a:t>
+            </a:r>
+            <a:endParaRPr lang="pt-BR" sz="2800" dirty="0">
+              <a:latin typeface="Arial" panose="020B0604020202020204" pitchFamily="34" charset="0"/>
+              <a:cs typeface="Arial" panose="020B0604020202020204" pitchFamily="34" charset="0"/>
+            </a:endParaRPr>
           </a:p>
         </p:txBody>
       </p:sp>
@@ -6078,40 +6002,16 @@
           <a:p>
             <a:pPr algn="ctr"/>
             <a:r>
-              <a:rPr lang="pt-BR" sz="2800" dirty="0">
+              <a:rPr lang="pt-BR" sz="2800">
                 <a:latin typeface="Arial" panose="020B0604020202020204" pitchFamily="34" charset="0"/>
                 <a:cs typeface="Arial" panose="020B0604020202020204" pitchFamily="34" charset="0"/>
               </a:rPr>
-              <a:t>Eu, como </a:t>
-            </a:r>
-            <a:r>
-              <a:rPr lang="pt-BR" sz="2800" b="1" dirty="0">
-                <a:latin typeface="Arial" panose="020B0604020202020204" pitchFamily="34" charset="0"/>
-                <a:cs typeface="Arial" panose="020B0604020202020204" pitchFamily="34" charset="0"/>
-              </a:rPr>
-              <a:t>Suporte, </a:t>
-            </a:r>
-            <a:r>
-              <a:rPr lang="pt-BR" sz="2800" dirty="0">
-                <a:latin typeface="Arial" panose="020B0604020202020204" pitchFamily="34" charset="0"/>
-                <a:cs typeface="Arial" panose="020B0604020202020204" pitchFamily="34" charset="0"/>
-              </a:rPr>
-              <a:t>preciso de agilidade e organização </a:t>
-            </a:r>
-            <a:r>
-              <a:rPr lang="pt-BR" sz="2800" b="1" dirty="0">
-                <a:latin typeface="Arial" panose="020B0604020202020204" pitchFamily="34" charset="0"/>
-                <a:cs typeface="Arial" panose="020B0604020202020204" pitchFamily="34" charset="0"/>
-              </a:rPr>
-              <a:t>para</a:t>
-            </a:r>
-            <a:r>
-              <a:rPr lang="pt-BR" sz="2800" dirty="0">
-                <a:latin typeface="Arial" panose="020B0604020202020204" pitchFamily="34" charset="0"/>
-                <a:cs typeface="Arial" panose="020B0604020202020204" pitchFamily="34" charset="0"/>
-              </a:rPr>
-              <a:t> resolver o alto numero de chamados.</a:t>
-            </a:r>
+              <a:t>Eu, como Suporte, preciso de agilidade e organização para resolver o alto numero de chamados.</a:t>
+            </a:r>
+            <a:endParaRPr lang="pt-BR" sz="2800" dirty="0">
+              <a:latin typeface="Arial" panose="020B0604020202020204" pitchFamily="34" charset="0"/>
+              <a:cs typeface="Arial" panose="020B0604020202020204" pitchFamily="34" charset="0"/>
+            </a:endParaRPr>
           </a:p>
         </p:txBody>
       </p:sp>
@@ -6186,40 +6086,16 @@
           <a:p>
             <a:pPr algn="ctr"/>
             <a:r>
-              <a:rPr lang="pt-BR" sz="2800" dirty="0">
+              <a:rPr lang="pt-BR" sz="2800">
                 <a:latin typeface="Arial" panose="020B0604020202020204" pitchFamily="34" charset="0"/>
                 <a:cs typeface="Arial" panose="020B0604020202020204" pitchFamily="34" charset="0"/>
               </a:rPr>
-              <a:t>Eu, como </a:t>
-            </a:r>
-            <a:r>
-              <a:rPr lang="pt-BR" sz="2800" b="1" dirty="0">
-                <a:latin typeface="Arial" panose="020B0604020202020204" pitchFamily="34" charset="0"/>
-                <a:cs typeface="Arial" panose="020B0604020202020204" pitchFamily="34" charset="0"/>
-              </a:rPr>
-              <a:t>Suporte, </a:t>
-            </a:r>
-            <a:r>
-              <a:rPr lang="pt-BR" sz="2800" dirty="0">
-                <a:latin typeface="Arial" panose="020B0604020202020204" pitchFamily="34" charset="0"/>
-                <a:cs typeface="Arial" panose="020B0604020202020204" pitchFamily="34" charset="0"/>
-              </a:rPr>
-              <a:t>preciso de ajuda controlar a vida útil das maquinas </a:t>
-            </a:r>
-            <a:r>
-              <a:rPr lang="pt-BR" sz="2800" b="1" dirty="0">
-                <a:latin typeface="Arial" panose="020B0604020202020204" pitchFamily="34" charset="0"/>
-                <a:cs typeface="Arial" panose="020B0604020202020204" pitchFamily="34" charset="0"/>
-              </a:rPr>
-              <a:t>para</a:t>
-            </a:r>
-            <a:r>
-              <a:rPr lang="pt-BR" sz="2800" dirty="0">
-                <a:latin typeface="Arial" panose="020B0604020202020204" pitchFamily="34" charset="0"/>
-                <a:cs typeface="Arial" panose="020B0604020202020204" pitchFamily="34" charset="0"/>
-              </a:rPr>
-              <a:t> não perder os notebooks.</a:t>
-            </a:r>
+              <a:t>Eu, como Suporte, preciso de ajuda para controlar a vida útil das maquinas para não perder os notebooks.</a:t>
+            </a:r>
+            <a:endParaRPr lang="pt-BR" sz="2800" dirty="0">
+              <a:latin typeface="Arial" panose="020B0604020202020204" pitchFamily="34" charset="0"/>
+              <a:cs typeface="Arial" panose="020B0604020202020204" pitchFamily="34" charset="0"/>
+            </a:endParaRPr>
           </a:p>
         </p:txBody>
       </p:sp>
@@ -6264,40 +6140,16 @@
           <a:p>
             <a:pPr algn="ctr"/>
             <a:r>
-              <a:rPr lang="pt-BR" sz="2800" dirty="0">
+              <a:rPr lang="pt-BR" sz="2800">
                 <a:latin typeface="Arial" panose="020B0604020202020204" pitchFamily="34" charset="0"/>
                 <a:cs typeface="Arial" panose="020B0604020202020204" pitchFamily="34" charset="0"/>
               </a:rPr>
-              <a:t>Eu, como </a:t>
-            </a:r>
-            <a:r>
-              <a:rPr lang="pt-BR" sz="2800" b="1" dirty="0">
-                <a:latin typeface="Arial" panose="020B0604020202020204" pitchFamily="34" charset="0"/>
-                <a:cs typeface="Arial" panose="020B0604020202020204" pitchFamily="34" charset="0"/>
-              </a:rPr>
-              <a:t>Suporte,</a:t>
-            </a:r>
-            <a:r>
-              <a:rPr lang="pt-BR" sz="2800" dirty="0">
-                <a:latin typeface="Arial" panose="020B0604020202020204" pitchFamily="34" charset="0"/>
-                <a:cs typeface="Arial" panose="020B0604020202020204" pitchFamily="34" charset="0"/>
-              </a:rPr>
-              <a:t> preciso de ajuda com a organização das maquinas </a:t>
-            </a:r>
-            <a:r>
-              <a:rPr lang="pt-BR" sz="2800" b="1" dirty="0">
-                <a:latin typeface="Arial" panose="020B0604020202020204" pitchFamily="34" charset="0"/>
-                <a:cs typeface="Arial" panose="020B0604020202020204" pitchFamily="34" charset="0"/>
-              </a:rPr>
-              <a:t>para </a:t>
-            </a:r>
-            <a:r>
-              <a:rPr lang="pt-BR" sz="2800" dirty="0">
-                <a:latin typeface="Arial" panose="020B0604020202020204" pitchFamily="34" charset="0"/>
-                <a:cs typeface="Arial" panose="020B0604020202020204" pitchFamily="34" charset="0"/>
-              </a:rPr>
-              <a:t>não guardar elas ligadas no armário.</a:t>
-            </a:r>
+              <a:t>Eu, como Suporte, preciso de ajuda com a organização das maquinas para não serem guardadas ligadas no armário.</a:t>
+            </a:r>
+            <a:endParaRPr lang="pt-BR" sz="2800" dirty="0">
+              <a:latin typeface="Arial" panose="020B0604020202020204" pitchFamily="34" charset="0"/>
+              <a:cs typeface="Arial" panose="020B0604020202020204" pitchFamily="34" charset="0"/>
+            </a:endParaRPr>
           </a:p>
         </p:txBody>
       </p:sp>
@@ -6342,54 +6194,16 @@
           <a:p>
             <a:pPr algn="ctr"/>
             <a:r>
-              <a:rPr lang="pt-BR" sz="2800" dirty="0">
-                <a:latin typeface="Arial" panose="020B0604020202020204" pitchFamily="34" charset="0"/>
-                <a:cs typeface="Arial" panose="020B0604020202020204" pitchFamily="34" charset="0"/>
-              </a:rPr>
-              <a:t>Eu, </a:t>
-            </a:r>
-            <a:r>
               <a:rPr lang="pt-BR" sz="2800">
                 <a:latin typeface="Arial" panose="020B0604020202020204" pitchFamily="34" charset="0"/>
                 <a:cs typeface="Arial" panose="020B0604020202020204" pitchFamily="34" charset="0"/>
               </a:rPr>
-              <a:t>como </a:t>
-            </a:r>
-            <a:r>
-              <a:rPr lang="pt-BR" sz="2800" b="1">
-                <a:latin typeface="Arial" panose="020B0604020202020204" pitchFamily="34" charset="0"/>
-                <a:cs typeface="Arial" panose="020B0604020202020204" pitchFamily="34" charset="0"/>
-              </a:rPr>
-              <a:t>Suporte,</a:t>
-            </a:r>
-            <a:r>
-              <a:rPr lang="pt-BR" sz="2800">
-                <a:latin typeface="Arial" panose="020B0604020202020204" pitchFamily="34" charset="0"/>
-                <a:cs typeface="Arial" panose="020B0604020202020204" pitchFamily="34" charset="0"/>
-              </a:rPr>
-              <a:t> </a:t>
-            </a:r>
-            <a:r>
-              <a:rPr lang="pt-BR" sz="2800" dirty="0">
-                <a:latin typeface="Arial" panose="020B0604020202020204" pitchFamily="34" charset="0"/>
-                <a:cs typeface="Arial" panose="020B0604020202020204" pitchFamily="34" charset="0"/>
-              </a:rPr>
-              <a:t>preciso de uma aplicação </a:t>
-            </a:r>
-            <a:r>
-              <a:rPr lang="pt-BR" sz="2800" b="1" dirty="0">
-                <a:latin typeface="Arial" panose="020B0604020202020204" pitchFamily="34" charset="0"/>
-                <a:cs typeface="Arial" panose="020B0604020202020204" pitchFamily="34" charset="0"/>
-              </a:rPr>
-              <a:t>para </a:t>
-            </a:r>
-            <a:r>
-              <a:rPr lang="pt-BR" sz="2800" dirty="0">
-                <a:latin typeface="Arial" panose="020B0604020202020204" pitchFamily="34" charset="0"/>
-                <a:cs typeface="Arial" panose="020B0604020202020204" pitchFamily="34" charset="0"/>
-              </a:rPr>
-              <a:t>controlar os chamados que estão abertos/fechados.</a:t>
-            </a:r>
+              <a:t>Eu, como Suporte, preciso de uma aplicação para controlar os chamados que estão abertos/fechados.</a:t>
+            </a:r>
+            <a:endParaRPr lang="pt-BR" sz="2800" dirty="0">
+              <a:latin typeface="Arial" panose="020B0604020202020204" pitchFamily="34" charset="0"/>
+              <a:cs typeface="Arial" panose="020B0604020202020204" pitchFamily="34" charset="0"/>
+            </a:endParaRPr>
           </a:p>
         </p:txBody>
       </p:sp>
@@ -6687,21 +6501,6 @@
 </file>
 
 <file path=customXml/item1.xml><?xml version="1.0" encoding="utf-8"?>
-<p:properties xmlns:p="http://schemas.microsoft.com/office/2006/metadata/properties" xmlns:xsi="http://www.w3.org/2001/XMLSchema-instance" xmlns:pc="http://schemas.microsoft.com/office/infopath/2007/PartnerControls">
-  <documentManagement/>
-</p:properties>
-</file>
-
-<file path=customXml/item2.xml><?xml version="1.0" encoding="utf-8"?>
-<?mso-contentType ?>
-<FormTemplates xmlns="http://schemas.microsoft.com/sharepoint/v3/contenttype/forms">
-  <Display>DocumentLibraryForm</Display>
-  <Edit>DocumentLibraryForm</Edit>
-  <New>DocumentLibraryForm</New>
-</FormTemplates>
-</file>
-
-<file path=customXml/item3.xml><?xml version="1.0" encoding="utf-8"?>
 <ct:contentTypeSchema xmlns:ct="http://schemas.microsoft.com/office/2006/metadata/contentType" xmlns:ma="http://schemas.microsoft.com/office/2006/metadata/properties/metaAttributes" ct:_="" ma:_="" ma:contentTypeName="Document" ma:contentTypeID="0x01010037EB6548DE3D0B4FAB42E42BA2CC71F0" ma:contentTypeVersion="2" ma:contentTypeDescription="Create a new document." ma:contentTypeScope="" ma:versionID="b00099b548212973607449a507e4ab99">
   <xsd:schema xmlns:xsd="http://www.w3.org/2001/XMLSchema" xmlns:xs="http://www.w3.org/2001/XMLSchema" xmlns:p="http://schemas.microsoft.com/office/2006/metadata/properties" xmlns:ns3="93aadb1b-f078-425f-a07f-e2cc4bed1fef" targetNamespace="http://schemas.microsoft.com/office/2006/metadata/properties" ma:root="true" ma:fieldsID="1343c260cb81a9ae9666480e50500a2a" ns3:_="">
     <xsd:import namespace="93aadb1b-f078-425f-a07f-e2cc4bed1fef"/>
@@ -6833,31 +6632,22 @@
 </ct:contentTypeSchema>
 </file>
 
-<file path=customXml/itemProps1.xml><?xml version="1.0" encoding="utf-8"?>
-<ds:datastoreItem xmlns:ds="http://schemas.openxmlformats.org/officeDocument/2006/customXml" ds:itemID="{D5D52712-8992-4CFC-A2D1-7DF52E18C1DF}">
-  <ds:schemaRefs>
-    <ds:schemaRef ds:uri="http://purl.org/dc/dcmitype/"/>
-    <ds:schemaRef ds:uri="http://schemas.microsoft.com/office/infopath/2007/PartnerControls"/>
-    <ds:schemaRef ds:uri="http://purl.org/dc/elements/1.1/"/>
-    <ds:schemaRef ds:uri="93aadb1b-f078-425f-a07f-e2cc4bed1fef"/>
-    <ds:schemaRef ds:uri="http://schemas.microsoft.com/office/2006/documentManagement/types"/>
-    <ds:schemaRef ds:uri="http://www.w3.org/XML/1998/namespace"/>
-    <ds:schemaRef ds:uri="http://purl.org/dc/terms/"/>
-    <ds:schemaRef ds:uri="http://schemas.openxmlformats.org/package/2006/metadata/core-properties"/>
-    <ds:schemaRef ds:uri="http://schemas.microsoft.com/office/2006/metadata/properties"/>
-  </ds:schemaRefs>
-</ds:datastoreItem>
+<file path=customXml/item2.xml><?xml version="1.0" encoding="utf-8"?>
+<?mso-contentType ?>
+<FormTemplates xmlns="http://schemas.microsoft.com/sharepoint/v3/contenttype/forms">
+  <Display>DocumentLibraryForm</Display>
+  <Edit>DocumentLibraryForm</Edit>
+  <New>DocumentLibraryForm</New>
+</FormTemplates>
 </file>
 
-<file path=customXml/itemProps2.xml><?xml version="1.0" encoding="utf-8"?>
-<ds:datastoreItem xmlns:ds="http://schemas.openxmlformats.org/officeDocument/2006/customXml" ds:itemID="{600157F8-0B09-46B5-8179-378DD95FA831}">
-  <ds:schemaRefs>
-    <ds:schemaRef ds:uri="http://schemas.microsoft.com/sharepoint/v3/contenttype/forms"/>
-  </ds:schemaRefs>
-</ds:datastoreItem>
+<file path=customXml/item3.xml><?xml version="1.0" encoding="utf-8"?>
+<p:properties xmlns:p="http://schemas.microsoft.com/office/2006/metadata/properties" xmlns:xsi="http://www.w3.org/2001/XMLSchema-instance" xmlns:pc="http://schemas.microsoft.com/office/infopath/2007/PartnerControls">
+  <documentManagement/>
+</p:properties>
 </file>
 
-<file path=customXml/itemProps3.xml><?xml version="1.0" encoding="utf-8"?>
+<file path=customXml/itemProps1.xml><?xml version="1.0" encoding="utf-8"?>
 <ds:datastoreItem xmlns:ds="http://schemas.openxmlformats.org/officeDocument/2006/customXml" ds:itemID="{F6F4A691-6835-4B44-8343-9FCF804DE4C5}">
   <ds:schemaRefs>
     <ds:schemaRef ds:uri="http://schemas.microsoft.com/office/2006/metadata/contentType"/>
@@ -6873,4 +6663,28 @@
     <ds:schemaRef ds:uri="http://schemas.microsoft.com/internal/obd"/>
   </ds:schemaRefs>
 </ds:datastoreItem>
+</file>
+
+<file path=customXml/itemProps2.xml><?xml version="1.0" encoding="utf-8"?>
+<ds:datastoreItem xmlns:ds="http://schemas.openxmlformats.org/officeDocument/2006/customXml" ds:itemID="{600157F8-0B09-46B5-8179-378DD95FA831}">
+  <ds:schemaRefs>
+    <ds:schemaRef ds:uri="http://schemas.microsoft.com/sharepoint/v3/contenttype/forms"/>
+  </ds:schemaRefs>
+</ds:datastoreItem>
+</file>
+
+<file path=customXml/itemProps3.xml><?xml version="1.0" encoding="utf-8"?>
+<ds:datastoreItem xmlns:ds="http://schemas.openxmlformats.org/officeDocument/2006/customXml" ds:itemID="{D5D52712-8992-4CFC-A2D1-7DF52E18C1DF}">
+  <ds:schemaRefs>
+    <ds:schemaRef ds:uri="http://purl.org/dc/dcmitype/"/>
+    <ds:schemaRef ds:uri="http://schemas.microsoft.com/office/infopath/2007/PartnerControls"/>
+    <ds:schemaRef ds:uri="http://purl.org/dc/elements/1.1/"/>
+    <ds:schemaRef ds:uri="93aadb1b-f078-425f-a07f-e2cc4bed1fef"/>
+    <ds:schemaRef ds:uri="http://schemas.microsoft.com/office/2006/documentManagement/types"/>
+    <ds:schemaRef ds:uri="http://www.w3.org/XML/1998/namespace"/>
+    <ds:schemaRef ds:uri="http://purl.org/dc/terms/"/>
+    <ds:schemaRef ds:uri="http://schemas.openxmlformats.org/package/2006/metadata/core-properties"/>
+    <ds:schemaRef ds:uri="http://schemas.microsoft.com/office/2006/metadata/properties"/>
+  </ds:schemaRefs>
+</ds:datastoreItem>
 </file>